--- a/digitalCommunication.pptx
+++ b/digitalCommunication.pptx
@@ -14,6 +14,12 @@
     <p:sldId id="263" r:id="rId8"/>
     <p:sldId id="264" r:id="rId9"/>
     <p:sldId id="265" r:id="rId10"/>
+    <p:sldId id="266" r:id="rId11"/>
+    <p:sldId id="267" r:id="rId12"/>
+    <p:sldId id="268" r:id="rId13"/>
+    <p:sldId id="269" r:id="rId14"/>
+    <p:sldId id="270" r:id="rId15"/>
+    <p:sldId id="271" r:id="rId16"/>
   </p:sldIdLst>
   <p:sldSz cx="12192000" cy="6858000"/>
   <p:notesSz cx="6858000" cy="9144000"/>
@@ -251,7 +257,7 @@
           <a:p>
             <a:fld id="{719F711F-8206-4BE5-BBA2-31A64FB3CAE4}" type="datetimeFigureOut">
               <a:rPr lang="it-IT" smtClean="0"/>
-              <a:t>22/02/2016</a:t>
+              <a:t>27/02/2016</a:t>
             </a:fld>
             <a:endParaRPr lang="it-IT"/>
           </a:p>
@@ -421,7 +427,7 @@
           <a:p>
             <a:fld id="{719F711F-8206-4BE5-BBA2-31A64FB3CAE4}" type="datetimeFigureOut">
               <a:rPr lang="it-IT" smtClean="0"/>
-              <a:t>22/02/2016</a:t>
+              <a:t>27/02/2016</a:t>
             </a:fld>
             <a:endParaRPr lang="it-IT"/>
           </a:p>
@@ -601,7 +607,7 @@
           <a:p>
             <a:fld id="{719F711F-8206-4BE5-BBA2-31A64FB3CAE4}" type="datetimeFigureOut">
               <a:rPr lang="it-IT" smtClean="0"/>
-              <a:t>22/02/2016</a:t>
+              <a:t>27/02/2016</a:t>
             </a:fld>
             <a:endParaRPr lang="it-IT"/>
           </a:p>
@@ -771,7 +777,7 @@
           <a:p>
             <a:fld id="{719F711F-8206-4BE5-BBA2-31A64FB3CAE4}" type="datetimeFigureOut">
               <a:rPr lang="it-IT" smtClean="0"/>
-              <a:t>22/02/2016</a:t>
+              <a:t>27/02/2016</a:t>
             </a:fld>
             <a:endParaRPr lang="it-IT"/>
           </a:p>
@@ -1017,7 +1023,7 @@
           <a:p>
             <a:fld id="{719F711F-8206-4BE5-BBA2-31A64FB3CAE4}" type="datetimeFigureOut">
               <a:rPr lang="it-IT" smtClean="0"/>
-              <a:t>22/02/2016</a:t>
+              <a:t>27/02/2016</a:t>
             </a:fld>
             <a:endParaRPr lang="it-IT"/>
           </a:p>
@@ -1249,7 +1255,7 @@
           <a:p>
             <a:fld id="{719F711F-8206-4BE5-BBA2-31A64FB3CAE4}" type="datetimeFigureOut">
               <a:rPr lang="it-IT" smtClean="0"/>
-              <a:t>22/02/2016</a:t>
+              <a:t>27/02/2016</a:t>
             </a:fld>
             <a:endParaRPr lang="it-IT"/>
           </a:p>
@@ -1616,7 +1622,7 @@
           <a:p>
             <a:fld id="{719F711F-8206-4BE5-BBA2-31A64FB3CAE4}" type="datetimeFigureOut">
               <a:rPr lang="it-IT" smtClean="0"/>
-              <a:t>22/02/2016</a:t>
+              <a:t>27/02/2016</a:t>
             </a:fld>
             <a:endParaRPr lang="it-IT"/>
           </a:p>
@@ -1734,7 +1740,7 @@
           <a:p>
             <a:fld id="{719F711F-8206-4BE5-BBA2-31A64FB3CAE4}" type="datetimeFigureOut">
               <a:rPr lang="it-IT" smtClean="0"/>
-              <a:t>22/02/2016</a:t>
+              <a:t>27/02/2016</a:t>
             </a:fld>
             <a:endParaRPr lang="it-IT"/>
           </a:p>
@@ -1829,7 +1835,7 @@
           <a:p>
             <a:fld id="{719F711F-8206-4BE5-BBA2-31A64FB3CAE4}" type="datetimeFigureOut">
               <a:rPr lang="it-IT" smtClean="0"/>
-              <a:t>22/02/2016</a:t>
+              <a:t>27/02/2016</a:t>
             </a:fld>
             <a:endParaRPr lang="it-IT"/>
           </a:p>
@@ -2106,7 +2112,7 @@
           <a:p>
             <a:fld id="{719F711F-8206-4BE5-BBA2-31A64FB3CAE4}" type="datetimeFigureOut">
               <a:rPr lang="it-IT" smtClean="0"/>
-              <a:t>22/02/2016</a:t>
+              <a:t>27/02/2016</a:t>
             </a:fld>
             <a:endParaRPr lang="it-IT"/>
           </a:p>
@@ -2359,7 +2365,7 @@
           <a:p>
             <a:fld id="{719F711F-8206-4BE5-BBA2-31A64FB3CAE4}" type="datetimeFigureOut">
               <a:rPr lang="it-IT" smtClean="0"/>
-              <a:t>22/02/2016</a:t>
+              <a:t>27/02/2016</a:t>
             </a:fld>
             <a:endParaRPr lang="it-IT"/>
           </a:p>
@@ -2572,7 +2578,7 @@
           <a:p>
             <a:fld id="{719F711F-8206-4BE5-BBA2-31A64FB3CAE4}" type="datetimeFigureOut">
               <a:rPr lang="it-IT" smtClean="0"/>
-              <a:t>22/02/2016</a:t>
+              <a:t>27/02/2016</a:t>
             </a:fld>
             <a:endParaRPr lang="it-IT"/>
           </a:p>
@@ -3040,6 +3046,635 @@
       </p:par>
     </p:tnLst>
   </p:timing>
+</p:sld>
+</file>
+
+<file path=ppt/slides/slide10.xml><?xml version="1.0" encoding="utf-8"?>
+<p:sld xmlns:a="http://schemas.openxmlformats.org/drawingml/2006/main" xmlns:r="http://schemas.openxmlformats.org/officeDocument/2006/relationships" xmlns:p="http://schemas.openxmlformats.org/presentationml/2006/main">
+  <p:cSld>
+    <p:spTree>
+      <p:nvGrpSpPr>
+        <p:cNvPr id="1" name=""/>
+        <p:cNvGrpSpPr/>
+        <p:nvPr/>
+      </p:nvGrpSpPr>
+      <p:grpSpPr>
+        <a:xfrm>
+          <a:off x="0" y="0"/>
+          <a:ext cx="0" cy="0"/>
+          <a:chOff x="0" y="0"/>
+          <a:chExt cx="0" cy="0"/>
+        </a:xfrm>
+      </p:grpSpPr>
+      <p:sp>
+        <p:nvSpPr>
+          <p:cNvPr id="2" name="Titolo 1"/>
+          <p:cNvSpPr>
+            <a:spLocks noGrp="1"/>
+          </p:cNvSpPr>
+          <p:nvPr>
+            <p:ph type="title"/>
+          </p:nvPr>
+        </p:nvSpPr>
+        <p:spPr/>
+        <p:txBody>
+          <a:bodyPr>
+            <a:normAutofit/>
+          </a:bodyPr>
+          <a:lstStyle/>
+          <a:p>
+            <a:r>
+              <a:rPr lang="en-US" sz="3600" dirty="0"/>
+              <a:t>Digital communications have got advantages and disadvantages.</a:t>
+            </a:r>
+            <a:endParaRPr lang="it-IT" sz="3600" dirty="0"/>
+          </a:p>
+        </p:txBody>
+      </p:sp>
+      <p:pic>
+        <p:nvPicPr>
+          <p:cNvPr id="4" name="Immagine 3"/>
+          <p:cNvPicPr>
+            <a:picLocks noChangeAspect="1"/>
+          </p:cNvPicPr>
+          <p:nvPr/>
+        </p:nvPicPr>
+        <p:blipFill>
+          <a:blip r:embed="rId2">
+            <a:extLst>
+              <a:ext uri="{28A0092B-C50C-407E-A947-70E740481C1C}">
+                <a14:useLocalDpi xmlns:a14="http://schemas.microsoft.com/office/drawing/2010/main" val="0"/>
+              </a:ext>
+            </a:extLst>
+          </a:blip>
+          <a:stretch>
+            <a:fillRect/>
+          </a:stretch>
+        </p:blipFill>
+        <p:spPr>
+          <a:xfrm>
+            <a:off x="2519680" y="1882140"/>
+            <a:ext cx="7152640" cy="4470400"/>
+          </a:xfrm>
+          <a:prstGeom prst="rect">
+            <a:avLst/>
+          </a:prstGeom>
+        </p:spPr>
+      </p:pic>
+    </p:spTree>
+    <p:extLst>
+      <p:ext uri="{BB962C8B-B14F-4D97-AF65-F5344CB8AC3E}">
+        <p14:creationId xmlns:p14="http://schemas.microsoft.com/office/powerpoint/2010/main" val="1653928160"/>
+      </p:ext>
+    </p:extLst>
+  </p:cSld>
+  <p:clrMapOvr>
+    <a:masterClrMapping/>
+  </p:clrMapOvr>
+</p:sld>
+</file>
+
+<file path=ppt/slides/slide11.xml><?xml version="1.0" encoding="utf-8"?>
+<p:sld xmlns:a="http://schemas.openxmlformats.org/drawingml/2006/main" xmlns:r="http://schemas.openxmlformats.org/officeDocument/2006/relationships" xmlns:p="http://schemas.openxmlformats.org/presentationml/2006/main">
+  <p:cSld>
+    <p:spTree>
+      <p:nvGrpSpPr>
+        <p:cNvPr id="1" name=""/>
+        <p:cNvGrpSpPr/>
+        <p:nvPr/>
+      </p:nvGrpSpPr>
+      <p:grpSpPr>
+        <a:xfrm>
+          <a:off x="0" y="0"/>
+          <a:ext cx="0" cy="0"/>
+          <a:chOff x="0" y="0"/>
+          <a:chExt cx="0" cy="0"/>
+        </a:xfrm>
+      </p:grpSpPr>
+      <p:sp>
+        <p:nvSpPr>
+          <p:cNvPr id="2" name="Titolo 1"/>
+          <p:cNvSpPr>
+            <a:spLocks noGrp="1"/>
+          </p:cNvSpPr>
+          <p:nvPr>
+            <p:ph type="title"/>
+          </p:nvPr>
+        </p:nvSpPr>
+        <p:spPr/>
+        <p:txBody>
+          <a:bodyPr>
+            <a:normAutofit/>
+          </a:bodyPr>
+          <a:lstStyle/>
+          <a:p>
+            <a:r>
+              <a:rPr lang="en-US" dirty="0"/>
+              <a:t>The first advantage is the </a:t>
+            </a:r>
+            <a:r>
+              <a:rPr lang="en-US" dirty="0" smtClean="0"/>
+              <a:t>speed</a:t>
+            </a:r>
+            <a:br>
+              <a:rPr lang="en-US" dirty="0" smtClean="0"/>
+            </a:br>
+            <a:endParaRPr lang="it-IT" dirty="0"/>
+          </a:p>
+        </p:txBody>
+      </p:sp>
+      <p:sp>
+        <p:nvSpPr>
+          <p:cNvPr id="6" name="Titolo 1"/>
+          <p:cNvSpPr txBox="1">
+            <a:spLocks/>
+          </p:cNvSpPr>
+          <p:nvPr/>
+        </p:nvSpPr>
+        <p:spPr>
+          <a:xfrm>
+            <a:off x="3848100" y="5340985"/>
+            <a:ext cx="10515600" cy="1325563"/>
+          </a:xfrm>
+          <a:prstGeom prst="rect">
+            <a:avLst/>
+          </a:prstGeom>
+        </p:spPr>
+        <p:txBody>
+          <a:bodyPr vert="horz" lIns="91440" tIns="45720" rIns="91440" bIns="45720" rtlCol="0" anchor="ctr">
+            <a:normAutofit fontScale="85000" lnSpcReduction="20000"/>
+          </a:bodyPr>
+          <a:lstStyle>
+            <a:lvl1pPr algn="l" defTabSz="914400" rtl="0" eaLnBrk="1" latinLnBrk="0" hangingPunct="1">
+              <a:lnSpc>
+                <a:spcPct val="90000"/>
+              </a:lnSpc>
+              <a:spcBef>
+                <a:spcPct val="0"/>
+              </a:spcBef>
+              <a:buNone/>
+              <a:defRPr sz="4400" kern="1200">
+                <a:solidFill>
+                  <a:schemeClr val="tx1"/>
+                </a:solidFill>
+                <a:latin typeface="+mj-lt"/>
+                <a:ea typeface="+mj-ea"/>
+                <a:cs typeface="+mj-cs"/>
+              </a:defRPr>
+            </a:lvl1pPr>
+          </a:lstStyle>
+          <a:p>
+            <a:r>
+              <a:rPr lang="en-US" dirty="0"/>
+              <a:t>this communication is faster than analog </a:t>
+            </a:r>
+            <a:r>
+              <a:rPr lang="en-US" dirty="0" smtClean="0"/>
+              <a:t>communications</a:t>
+            </a:r>
+            <a:br>
+              <a:rPr lang="en-US" dirty="0" smtClean="0"/>
+            </a:br>
+            <a:endParaRPr lang="it-IT" dirty="0"/>
+          </a:p>
+        </p:txBody>
+      </p:sp>
+      <p:pic>
+        <p:nvPicPr>
+          <p:cNvPr id="8" name="Immagine 7"/>
+          <p:cNvPicPr>
+            <a:picLocks noChangeAspect="1"/>
+          </p:cNvPicPr>
+          <p:nvPr/>
+        </p:nvPicPr>
+        <p:blipFill>
+          <a:blip r:embed="rId2">
+            <a:extLst>
+              <a:ext uri="{28A0092B-C50C-407E-A947-70E740481C1C}">
+                <a14:useLocalDpi xmlns:a14="http://schemas.microsoft.com/office/drawing/2010/main" val="0"/>
+              </a:ext>
+            </a:extLst>
+          </a:blip>
+          <a:stretch>
+            <a:fillRect/>
+          </a:stretch>
+        </p:blipFill>
+        <p:spPr>
+          <a:xfrm>
+            <a:off x="2457450" y="1318260"/>
+            <a:ext cx="6648450" cy="3810000"/>
+          </a:xfrm>
+          <a:prstGeom prst="rect">
+            <a:avLst/>
+          </a:prstGeom>
+        </p:spPr>
+      </p:pic>
+    </p:spTree>
+    <p:extLst>
+      <p:ext uri="{BB962C8B-B14F-4D97-AF65-F5344CB8AC3E}">
+        <p14:creationId xmlns:p14="http://schemas.microsoft.com/office/powerpoint/2010/main" val="3406247700"/>
+      </p:ext>
+    </p:extLst>
+  </p:cSld>
+  <p:clrMapOvr>
+    <a:masterClrMapping/>
+  </p:clrMapOvr>
+</p:sld>
+</file>
+
+<file path=ppt/slides/slide12.xml><?xml version="1.0" encoding="utf-8"?>
+<p:sld xmlns:a="http://schemas.openxmlformats.org/drawingml/2006/main" xmlns:r="http://schemas.openxmlformats.org/officeDocument/2006/relationships" xmlns:p="http://schemas.openxmlformats.org/presentationml/2006/main">
+  <p:cSld>
+    <p:spTree>
+      <p:nvGrpSpPr>
+        <p:cNvPr id="1" name=""/>
+        <p:cNvGrpSpPr/>
+        <p:nvPr/>
+      </p:nvGrpSpPr>
+      <p:grpSpPr>
+        <a:xfrm>
+          <a:off x="0" y="0"/>
+          <a:ext cx="0" cy="0"/>
+          <a:chOff x="0" y="0"/>
+          <a:chExt cx="0" cy="0"/>
+        </a:xfrm>
+      </p:grpSpPr>
+      <p:sp>
+        <p:nvSpPr>
+          <p:cNvPr id="2" name="Titolo 1"/>
+          <p:cNvSpPr>
+            <a:spLocks noGrp="1"/>
+          </p:cNvSpPr>
+          <p:nvPr>
+            <p:ph type="title"/>
+          </p:nvPr>
+        </p:nvSpPr>
+        <p:spPr>
+          <a:xfrm>
+            <a:off x="678180" y="4685665"/>
+            <a:ext cx="10515600" cy="1875155"/>
+          </a:xfrm>
+        </p:spPr>
+        <p:txBody>
+          <a:bodyPr>
+            <a:normAutofit fontScale="90000"/>
+          </a:bodyPr>
+          <a:lstStyle/>
+          <a:p>
+            <a:r>
+              <a:rPr lang="en-US" dirty="0"/>
+              <a:t>More secure. </a:t>
+            </a:r>
+            <a:r>
+              <a:rPr lang="en-US" dirty="0" smtClean="0"/>
+              <a:t/>
+            </a:r>
+            <a:br>
+              <a:rPr lang="en-US" dirty="0" smtClean="0"/>
+            </a:br>
+            <a:r>
+              <a:rPr lang="en-US" dirty="0" smtClean="0"/>
+              <a:t>Digital </a:t>
+            </a:r>
+            <a:r>
+              <a:rPr lang="en-US" dirty="0"/>
+              <a:t>data can be encrypt using an encryption </a:t>
+            </a:r>
+            <a:r>
+              <a:rPr lang="en-US" dirty="0" smtClean="0"/>
+              <a:t>method</a:t>
+            </a:r>
+            <a:endParaRPr lang="en-US" dirty="0"/>
+          </a:p>
+        </p:txBody>
+      </p:sp>
+      <p:pic>
+        <p:nvPicPr>
+          <p:cNvPr id="3" name="Immagine 2"/>
+          <p:cNvPicPr>
+            <a:picLocks noChangeAspect="1"/>
+          </p:cNvPicPr>
+          <p:nvPr/>
+        </p:nvPicPr>
+        <p:blipFill>
+          <a:blip r:embed="rId2">
+            <a:extLst>
+              <a:ext uri="{28A0092B-C50C-407E-A947-70E740481C1C}">
+                <a14:useLocalDpi xmlns:a14="http://schemas.microsoft.com/office/drawing/2010/main" val="0"/>
+              </a:ext>
+            </a:extLst>
+          </a:blip>
+          <a:stretch>
+            <a:fillRect/>
+          </a:stretch>
+        </p:blipFill>
+        <p:spPr>
+          <a:xfrm>
+            <a:off x="5048256" y="1028065"/>
+            <a:ext cx="5921241" cy="3657600"/>
+          </a:xfrm>
+          <a:prstGeom prst="rect">
+            <a:avLst/>
+          </a:prstGeom>
+        </p:spPr>
+      </p:pic>
+    </p:spTree>
+    <p:extLst>
+      <p:ext uri="{BB962C8B-B14F-4D97-AF65-F5344CB8AC3E}">
+        <p14:creationId xmlns:p14="http://schemas.microsoft.com/office/powerpoint/2010/main" val="3212842575"/>
+      </p:ext>
+    </p:extLst>
+  </p:cSld>
+  <p:clrMapOvr>
+    <a:masterClrMapping/>
+  </p:clrMapOvr>
+</p:sld>
+</file>
+
+<file path=ppt/slides/slide13.xml><?xml version="1.0" encoding="utf-8"?>
+<p:sld xmlns:a="http://schemas.openxmlformats.org/drawingml/2006/main" xmlns:r="http://schemas.openxmlformats.org/officeDocument/2006/relationships" xmlns:p="http://schemas.openxmlformats.org/presentationml/2006/main">
+  <p:cSld>
+    <p:spTree>
+      <p:nvGrpSpPr>
+        <p:cNvPr id="1" name=""/>
+        <p:cNvGrpSpPr/>
+        <p:nvPr/>
+      </p:nvGrpSpPr>
+      <p:grpSpPr>
+        <a:xfrm>
+          <a:off x="0" y="0"/>
+          <a:ext cx="0" cy="0"/>
+          <a:chOff x="0" y="0"/>
+          <a:chExt cx="0" cy="0"/>
+        </a:xfrm>
+      </p:grpSpPr>
+      <p:sp>
+        <p:nvSpPr>
+          <p:cNvPr id="2" name="Titolo 1"/>
+          <p:cNvSpPr>
+            <a:spLocks noGrp="1"/>
+          </p:cNvSpPr>
+          <p:nvPr>
+            <p:ph type="title"/>
+          </p:nvPr>
+        </p:nvSpPr>
+        <p:spPr/>
+        <p:txBody>
+          <a:bodyPr/>
+          <a:lstStyle/>
+          <a:p>
+            <a:r>
+              <a:rPr lang="en-US" dirty="0"/>
+              <a:t/>
+            </a:r>
+            <a:br>
+              <a:rPr lang="en-US" dirty="0"/>
+            </a:br>
+            <a:r>
+              <a:rPr lang="en-US" dirty="0"/>
+              <a:t>Digital signals can checked for errors</a:t>
+            </a:r>
+            <a:endParaRPr lang="it-IT" dirty="0"/>
+          </a:p>
+        </p:txBody>
+      </p:sp>
+      <p:pic>
+        <p:nvPicPr>
+          <p:cNvPr id="3" name="Immagine 2"/>
+          <p:cNvPicPr>
+            <a:picLocks noChangeAspect="1"/>
+          </p:cNvPicPr>
+          <p:nvPr/>
+        </p:nvPicPr>
+        <p:blipFill>
+          <a:blip r:embed="rId2">
+            <a:extLst>
+              <a:ext uri="{28A0092B-C50C-407E-A947-70E740481C1C}">
+                <a14:useLocalDpi xmlns:a14="http://schemas.microsoft.com/office/drawing/2010/main" val="0"/>
+              </a:ext>
+            </a:extLst>
+          </a:blip>
+          <a:stretch>
+            <a:fillRect/>
+          </a:stretch>
+        </p:blipFill>
+        <p:spPr>
+          <a:xfrm>
+            <a:off x="2740660" y="1960880"/>
+            <a:ext cx="6004502" cy="4508500"/>
+          </a:xfrm>
+          <a:prstGeom prst="rect">
+            <a:avLst/>
+          </a:prstGeom>
+        </p:spPr>
+      </p:pic>
+    </p:spTree>
+    <p:extLst>
+      <p:ext uri="{BB962C8B-B14F-4D97-AF65-F5344CB8AC3E}">
+        <p14:creationId xmlns:p14="http://schemas.microsoft.com/office/powerpoint/2010/main" val="784428722"/>
+      </p:ext>
+    </p:extLst>
+  </p:cSld>
+  <p:clrMapOvr>
+    <a:masterClrMapping/>
+  </p:clrMapOvr>
+</p:sld>
+</file>
+
+<file path=ppt/slides/slide14.xml><?xml version="1.0" encoding="utf-8"?>
+<p:sld xmlns:a="http://schemas.openxmlformats.org/drawingml/2006/main" xmlns:r="http://schemas.openxmlformats.org/officeDocument/2006/relationships" xmlns:p="http://schemas.openxmlformats.org/presentationml/2006/main">
+  <p:cSld>
+    <p:spTree>
+      <p:nvGrpSpPr>
+        <p:cNvPr id="1" name=""/>
+        <p:cNvGrpSpPr/>
+        <p:nvPr/>
+      </p:nvGrpSpPr>
+      <p:grpSpPr>
+        <a:xfrm>
+          <a:off x="0" y="0"/>
+          <a:ext cx="0" cy="0"/>
+          <a:chOff x="0" y="0"/>
+          <a:chExt cx="0" cy="0"/>
+        </a:xfrm>
+      </p:grpSpPr>
+      <p:sp>
+        <p:nvSpPr>
+          <p:cNvPr id="2" name="Titolo 1"/>
+          <p:cNvSpPr>
+            <a:spLocks noGrp="1"/>
+          </p:cNvSpPr>
+          <p:nvPr>
+            <p:ph type="title"/>
+          </p:nvPr>
+        </p:nvSpPr>
+        <p:spPr>
+          <a:xfrm>
+            <a:off x="1066800" y="2422525"/>
+            <a:ext cx="10515600" cy="1325563"/>
+          </a:xfrm>
+        </p:spPr>
+        <p:txBody>
+          <a:bodyPr/>
+          <a:lstStyle/>
+          <a:p>
+            <a:r>
+              <a:rPr lang="en-US" dirty="0"/>
+              <a:t>But there aren't only </a:t>
+            </a:r>
+            <a:r>
+              <a:rPr lang="en-US" dirty="0" smtClean="0"/>
+              <a:t>advantages!!</a:t>
+            </a:r>
+            <a:endParaRPr lang="it-IT" dirty="0"/>
+          </a:p>
+        </p:txBody>
+      </p:sp>
+      <p:pic>
+        <p:nvPicPr>
+          <p:cNvPr id="3" name="Immagine 2"/>
+          <p:cNvPicPr>
+            <a:picLocks noChangeAspect="1"/>
+          </p:cNvPicPr>
+          <p:nvPr/>
+        </p:nvPicPr>
+        <p:blipFill>
+          <a:blip r:embed="rId2" cstate="print">
+            <a:extLst>
+              <a:ext uri="{28A0092B-C50C-407E-A947-70E740481C1C}">
+                <a14:useLocalDpi xmlns:a14="http://schemas.microsoft.com/office/drawing/2010/main" val="0"/>
+              </a:ext>
+            </a:extLst>
+          </a:blip>
+          <a:stretch>
+            <a:fillRect/>
+          </a:stretch>
+        </p:blipFill>
+        <p:spPr>
+          <a:xfrm>
+            <a:off x="8366760" y="3915726"/>
+            <a:ext cx="3618231" cy="2713673"/>
+          </a:xfrm>
+          <a:prstGeom prst="rect">
+            <a:avLst/>
+          </a:prstGeom>
+        </p:spPr>
+      </p:pic>
+    </p:spTree>
+    <p:extLst>
+      <p:ext uri="{BB962C8B-B14F-4D97-AF65-F5344CB8AC3E}">
+        <p14:creationId xmlns:p14="http://schemas.microsoft.com/office/powerpoint/2010/main" val="3413182322"/>
+      </p:ext>
+    </p:extLst>
+  </p:cSld>
+  <p:clrMapOvr>
+    <a:masterClrMapping/>
+  </p:clrMapOvr>
+</p:sld>
+</file>
+
+<file path=ppt/slides/slide15.xml><?xml version="1.0" encoding="utf-8"?>
+<p:sld xmlns:a="http://schemas.openxmlformats.org/drawingml/2006/main" xmlns:r="http://schemas.openxmlformats.org/officeDocument/2006/relationships" xmlns:p="http://schemas.openxmlformats.org/presentationml/2006/main">
+  <p:cSld>
+    <p:spTree>
+      <p:nvGrpSpPr>
+        <p:cNvPr id="1" name=""/>
+        <p:cNvGrpSpPr/>
+        <p:nvPr/>
+      </p:nvGrpSpPr>
+      <p:grpSpPr>
+        <a:xfrm>
+          <a:off x="0" y="0"/>
+          <a:ext cx="0" cy="0"/>
+          <a:chOff x="0" y="0"/>
+          <a:chExt cx="0" cy="0"/>
+        </a:xfrm>
+      </p:grpSpPr>
+      <p:sp>
+        <p:nvSpPr>
+          <p:cNvPr id="2" name="Titolo 1"/>
+          <p:cNvSpPr>
+            <a:spLocks noGrp="1"/>
+          </p:cNvSpPr>
+          <p:nvPr>
+            <p:ph type="title"/>
+          </p:nvPr>
+        </p:nvSpPr>
+        <p:spPr>
+          <a:xfrm>
+            <a:off x="723900" y="936625"/>
+            <a:ext cx="10515600" cy="1325563"/>
+          </a:xfrm>
+        </p:spPr>
+        <p:txBody>
+          <a:bodyPr>
+            <a:normAutofit fontScale="90000"/>
+          </a:bodyPr>
+          <a:lstStyle/>
+          <a:p>
+            <a:r>
+              <a:rPr lang="en-US" dirty="0"/>
+              <a:t>with the digital communications the people don't speak to each other but they use </a:t>
+            </a:r>
+            <a:r>
+              <a:rPr lang="en-US" dirty="0" smtClean="0"/>
+              <a:t>a technological devices </a:t>
+            </a:r>
+            <a:r>
+              <a:rPr lang="en-US" dirty="0"/>
+              <a:t>to socialize.</a:t>
+            </a:r>
+            <a:br>
+              <a:rPr lang="en-US" dirty="0"/>
+            </a:br>
+            <a:r>
+              <a:rPr lang="en-US" dirty="0"/>
+              <a:t> </a:t>
+            </a:r>
+            <a:endParaRPr lang="it-IT" dirty="0"/>
+          </a:p>
+        </p:txBody>
+      </p:sp>
+      <p:pic>
+        <p:nvPicPr>
+          <p:cNvPr id="3" name="Immagine 2"/>
+          <p:cNvPicPr>
+            <a:picLocks noChangeAspect="1"/>
+          </p:cNvPicPr>
+          <p:nvPr/>
+        </p:nvPicPr>
+        <p:blipFill>
+          <a:blip r:embed="rId2">
+            <a:extLst>
+              <a:ext uri="{28A0092B-C50C-407E-A947-70E740481C1C}">
+                <a14:useLocalDpi xmlns:a14="http://schemas.microsoft.com/office/drawing/2010/main" val="0"/>
+              </a:ext>
+            </a:extLst>
+          </a:blip>
+          <a:stretch>
+            <a:fillRect/>
+          </a:stretch>
+        </p:blipFill>
+        <p:spPr>
+          <a:xfrm>
+            <a:off x="2647950" y="2262188"/>
+            <a:ext cx="6667500" cy="3810000"/>
+          </a:xfrm>
+          <a:prstGeom prst="rect">
+            <a:avLst/>
+          </a:prstGeom>
+        </p:spPr>
+      </p:pic>
+    </p:spTree>
+    <p:extLst>
+      <p:ext uri="{BB962C8B-B14F-4D97-AF65-F5344CB8AC3E}">
+        <p14:creationId xmlns:p14="http://schemas.microsoft.com/office/powerpoint/2010/main" val="834812405"/>
+      </p:ext>
+    </p:extLst>
+  </p:cSld>
+  <p:clrMapOvr>
+    <a:masterClrMapping/>
+  </p:clrMapOvr>
 </p:sld>
 </file>
 
